--- a/slide/D17CQAT01_PhanDai_N17DCAT013 - Copy.pptx
+++ b/slide/D17CQAT01_PhanDai_N17DCAT013 - Copy.pptx
@@ -12,8 +12,8 @@
     <p:sldId id="257" r:id="rId4"/>
     <p:sldId id="261" r:id="rId5"/>
     <p:sldId id="260" r:id="rId6"/>
-    <p:sldId id="284" r:id="rId7"/>
-    <p:sldId id="285" r:id="rId8"/>
+    <p:sldId id="285" r:id="rId7"/>
+    <p:sldId id="298" r:id="rId8"/>
     <p:sldId id="272" r:id="rId9"/>
     <p:sldId id="266" r:id="rId10"/>
     <p:sldId id="273" r:id="rId11"/>
@@ -20933,11 +20933,11 @@
           <a:lstStyle/>
           <a:p>
             <a:r>
-              <a:rPr lang="en-US" sz="4000" b="1" spc="50" dirty="0" smtClean="0">
+              <a:rPr lang="en-US" sz="4000" b="1" spc="50" dirty="0">
                 <a:latin typeface="Times New Roman" panose="02020603050405020304" pitchFamily="18" charset="0"/>
                 <a:cs typeface="Times New Roman" panose="02020603050405020304" pitchFamily="18" charset="0"/>
               </a:rPr>
-              <a:t>TẠI SAO LÀ BLOCKCHAIN DNS ?</a:t>
+              <a:t>so sánh 2 mô hình</a:t>
             </a:r>
             <a:endParaRPr lang="en-US" sz="4000" b="1" spc="50" dirty="0">
               <a:latin typeface="Times New Roman" panose="02020603050405020304" pitchFamily="18" charset="0"/>
@@ -21181,7 +21181,7 @@
         </p:nvSpPr>
         <p:spPr>
           <a:xfrm>
-            <a:off x="1069848" y="445596"/>
+            <a:off x="923290" y="283616"/>
             <a:ext cx="10058400" cy="677418"/>
           </a:xfrm>
         </p:spPr>
@@ -21192,11 +21192,11 @@
           <a:lstStyle/>
           <a:p>
             <a:r>
-              <a:rPr lang="en-US" sz="4000" b="1" spc="50" dirty="0">
+              <a:rPr lang="en-US" sz="4000" b="1" spc="50" dirty="0" smtClean="0">
                 <a:latin typeface="Times New Roman" panose="02020603050405020304" pitchFamily="18" charset="0"/>
                 <a:cs typeface="Times New Roman" panose="02020603050405020304" pitchFamily="18" charset="0"/>
               </a:rPr>
-              <a:t>so sánh 2 mô hình</a:t>
+              <a:t>TẠI SAO LÀ BLOCKCHAIN DNS ?</a:t>
             </a:r>
             <a:endParaRPr lang="en-US" sz="4000" b="1" spc="50" dirty="0">
               <a:latin typeface="Times New Roman" panose="02020603050405020304" pitchFamily="18" charset="0"/>
@@ -21271,6 +21271,361 @@
               <a:solidFill>
                 <a:srgbClr val="FF0000"/>
               </a:solidFill>
+            </a:endParaRPr>
+          </a:p>
+        </p:txBody>
+      </p:sp>
+      <p:sp>
+        <p:nvSpPr>
+          <p:cNvPr id="4" name="Text Box 3"/>
+          <p:cNvSpPr txBox="1"/>
+          <p:nvPr/>
+        </p:nvSpPr>
+        <p:spPr>
+          <a:xfrm>
+            <a:off x="1235710" y="1652905"/>
+            <a:ext cx="10076180" cy="2030095"/>
+          </a:xfrm>
+          <a:prstGeom prst="rect">
+            <a:avLst/>
+          </a:prstGeom>
+          <a:noFill/>
+        </p:spPr>
+        <p:txBody>
+          <a:bodyPr wrap="square" rtlCol="0">
+            <a:spAutoFit/>
+          </a:bodyPr>
+          <a:lstStyle/>
+          <a:p>
+            <a:pPr algn="l">
+              <a:lnSpc>
+                <a:spcPct val="150000"/>
+              </a:lnSpc>
+            </a:pPr>
+            <a:r>
+              <a:rPr lang="en-US" sz="1400" dirty="0" smtClean="0">
+                <a:latin typeface="Arial" panose="020B0604020202020204" pitchFamily="34" charset="0"/>
+                <a:cs typeface="Arial" panose="020B0604020202020204" pitchFamily="34" charset="0"/>
+                <a:sym typeface="+mn-ea"/>
+              </a:rPr>
+              <a:t>DNS phụ thuộc vào sự kiểm soát của nhiều tổ chức nên người dùng có thể bị giới hạn quyền hạn do tổ chức đó quy định.</a:t>
+            </a:r>
+            <a:endParaRPr lang="en-US" sz="1400" dirty="0" smtClean="0">
+              <a:latin typeface="Arial" panose="020B0604020202020204" pitchFamily="34" charset="0"/>
+              <a:cs typeface="Arial" panose="020B0604020202020204" pitchFamily="34" charset="0"/>
+              <a:sym typeface="+mn-ea"/>
+            </a:endParaRPr>
+          </a:p>
+          <a:p>
+            <a:pPr algn="l">
+              <a:lnSpc>
+                <a:spcPct val="150000"/>
+              </a:lnSpc>
+            </a:pPr>
+            <a:r>
+              <a:rPr lang="en-US" sz="1400" dirty="0" smtClean="0">
+                <a:latin typeface="Arial" panose="020B0604020202020204" pitchFamily="34" charset="0"/>
+                <a:cs typeface="Arial" panose="020B0604020202020204" pitchFamily="34" charset="0"/>
+                <a:sym typeface="+mn-ea"/>
+              </a:rPr>
+              <a:t>Nhiều hacker nhắm vào DNS nên vấn đề bảo mật phải đáp ứng với công nghệ hiện tại.</a:t>
+            </a:r>
+            <a:endParaRPr lang="en-US" sz="1400" dirty="0" smtClean="0">
+              <a:latin typeface="Arial" panose="020B0604020202020204" pitchFamily="34" charset="0"/>
+              <a:cs typeface="Arial" panose="020B0604020202020204" pitchFamily="34" charset="0"/>
+              <a:sym typeface="+mn-ea"/>
+            </a:endParaRPr>
+          </a:p>
+          <a:p>
+            <a:pPr algn="l">
+              <a:lnSpc>
+                <a:spcPct val="150000"/>
+              </a:lnSpc>
+            </a:pPr>
+            <a:r>
+              <a:rPr lang="en-US" sz="1400" dirty="0" smtClean="0">
+                <a:latin typeface="Arial" panose="020B0604020202020204" pitchFamily="34" charset="0"/>
+                <a:cs typeface="Arial" panose="020B0604020202020204" pitchFamily="34" charset="0"/>
+                <a:sym typeface="+mn-ea"/>
+              </a:rPr>
+              <a:t>DNS queries thường không mang bất kì thông tin về client khởi tạo nó.</a:t>
+            </a:r>
+            <a:endParaRPr lang="en-US" sz="1400" dirty="0" smtClean="0">
+              <a:latin typeface="Arial" panose="020B0604020202020204" pitchFamily="34" charset="0"/>
+              <a:cs typeface="Arial" panose="020B0604020202020204" pitchFamily="34" charset="0"/>
+              <a:sym typeface="+mn-ea"/>
+            </a:endParaRPr>
+          </a:p>
+          <a:p>
+            <a:pPr algn="l">
+              <a:lnSpc>
+                <a:spcPct val="150000"/>
+              </a:lnSpc>
+            </a:pPr>
+            <a:r>
+              <a:rPr lang="en-US" sz="1400" dirty="0" smtClean="0">
+                <a:latin typeface="Arial" panose="020B0604020202020204" pitchFamily="34" charset="0"/>
+                <a:cs typeface="Arial" panose="020B0604020202020204" pitchFamily="34" charset="0"/>
+                <a:sym typeface="+mn-ea"/>
+              </a:rPr>
+              <a:t>Root Server tự chủ nhưng muốn cập nhật phải được chấp thuận bởi tổ chức phi lợi nhuận ICANN - </a:t>
+            </a:r>
+            <a:r>
+              <a:rPr lang="en-US" sz="1400" dirty="0">
+                <a:latin typeface="Arial" panose="020B0604020202020204" pitchFamily="34" charset="0"/>
+                <a:cs typeface="Arial" panose="020B0604020202020204" pitchFamily="34" charset="0"/>
+              </a:rPr>
+              <a:t>Internet Corporation for Assigned Names and </a:t>
+            </a:r>
+            <a:r>
+              <a:rPr lang="en-US" sz="1400" dirty="0" smtClean="0">
+                <a:latin typeface="Arial" panose="020B0604020202020204" pitchFamily="34" charset="0"/>
+                <a:cs typeface="Arial" panose="020B0604020202020204" pitchFamily="34" charset="0"/>
+              </a:rPr>
+              <a:t>Numbers, thông qua nhiều bước nhiều thủ tục và chịu nhiều mức phí.</a:t>
+            </a:r>
+            <a:endParaRPr lang="en-US" sz="1400" dirty="0" smtClean="0">
+              <a:latin typeface="Arial" panose="020B0604020202020204" pitchFamily="34" charset="0"/>
+              <a:cs typeface="Arial" panose="020B0604020202020204" pitchFamily="34" charset="0"/>
+            </a:endParaRPr>
+          </a:p>
+          <a:p>
+            <a:pPr>
+              <a:lnSpc>
+                <a:spcPct val="150000"/>
+              </a:lnSpc>
+            </a:pPr>
+            <a:r>
+              <a:rPr lang="en-US" sz="1400" dirty="0" smtClean="0">
+                <a:latin typeface="Arial" panose="020B0604020202020204" pitchFamily="34" charset="0"/>
+                <a:cs typeface="Arial" panose="020B0604020202020204" pitchFamily="34" charset="0"/>
+              </a:rPr>
+              <a:t>Khi một Root Server hư hại, kĩ thuật anycast sẽ được áp dụng để duy trì kết nối nhưng sẽ ảnh hưởng đến quyền lợi truy cập.</a:t>
+            </a:r>
+            <a:endParaRPr lang="en-US" sz="1400" dirty="0">
+              <a:latin typeface="Arial" panose="020B0604020202020204" pitchFamily="34" charset="0"/>
+              <a:cs typeface="Arial" panose="020B0604020202020204" pitchFamily="34" charset="0"/>
+            </a:endParaRPr>
+          </a:p>
+        </p:txBody>
+      </p:sp>
+      <p:sp>
+        <p:nvSpPr>
+          <p:cNvPr id="8" name="Text Box 7"/>
+          <p:cNvSpPr txBox="1"/>
+          <p:nvPr/>
+        </p:nvSpPr>
+        <p:spPr>
+          <a:xfrm>
+            <a:off x="1235710" y="1118829"/>
+            <a:ext cx="9433560" cy="534035"/>
+          </a:xfrm>
+          <a:prstGeom prst="rect">
+            <a:avLst/>
+          </a:prstGeom>
+          <a:noFill/>
+        </p:spPr>
+        <p:txBody>
+          <a:bodyPr wrap="square" rtlCol="0">
+            <a:spAutoFit/>
+          </a:bodyPr>
+          <a:lstStyle/>
+          <a:p>
+            <a:pPr algn="l" fontAlgn="auto">
+              <a:lnSpc>
+                <a:spcPct val="120000"/>
+              </a:lnSpc>
+              <a:spcBef>
+                <a:spcPts val="0"/>
+              </a:spcBef>
+              <a:buClrTx/>
+              <a:buSzTx/>
+              <a:buFontTx/>
+            </a:pPr>
+            <a:r>
+              <a:rPr lang="en-US" sz="2400" b="1" dirty="0" smtClean="0">
+                <a:solidFill>
+                  <a:schemeClr val="accent2">
+                    <a:lumMod val="50000"/>
+                  </a:schemeClr>
+                </a:solidFill>
+                <a:latin typeface="Arial" panose="020B0604020202020204" pitchFamily="34" charset="0"/>
+                <a:ea typeface="Roboto" panose="02000000000000000000" pitchFamily="2" charset="0"/>
+                <a:cs typeface="Arial" panose="020B0604020202020204" pitchFamily="34" charset="0"/>
+              </a:rPr>
+              <a:t>Những vấn đề tồn tại ở hệ thống DNS hiện tại</a:t>
+            </a:r>
+            <a:endParaRPr lang="en-US" sz="2400" b="1" dirty="0" smtClean="0">
+              <a:solidFill>
+                <a:schemeClr val="accent2">
+                  <a:lumMod val="50000"/>
+                </a:schemeClr>
+              </a:solidFill>
+              <a:latin typeface="Arial" panose="020B0604020202020204" pitchFamily="34" charset="0"/>
+              <a:ea typeface="Roboto" panose="02000000000000000000" pitchFamily="2" charset="0"/>
+              <a:cs typeface="Arial" panose="020B0604020202020204" pitchFamily="34" charset="0"/>
+            </a:endParaRPr>
+          </a:p>
+        </p:txBody>
+      </p:sp>
+      <p:sp>
+        <p:nvSpPr>
+          <p:cNvPr id="9" name="Text Box 7"/>
+          <p:cNvSpPr txBox="1"/>
+          <p:nvPr/>
+        </p:nvSpPr>
+        <p:spPr>
+          <a:xfrm>
+            <a:off x="1235710" y="3813600"/>
+            <a:ext cx="9433560" cy="494751"/>
+          </a:xfrm>
+          <a:prstGeom prst="rect">
+            <a:avLst/>
+          </a:prstGeom>
+          <a:noFill/>
+        </p:spPr>
+        <p:txBody>
+          <a:bodyPr wrap="square" rtlCol="0">
+            <a:spAutoFit/>
+          </a:bodyPr>
+          <a:lstStyle/>
+          <a:p>
+            <a:pPr algn="l" fontAlgn="auto">
+              <a:lnSpc>
+                <a:spcPct val="120000"/>
+              </a:lnSpc>
+              <a:spcBef>
+                <a:spcPts val="0"/>
+              </a:spcBef>
+              <a:buClrTx/>
+              <a:buSzTx/>
+              <a:buFontTx/>
+            </a:pPr>
+            <a:r>
+              <a:rPr lang="en-US" sz="2400" b="1" dirty="0" smtClean="0">
+                <a:solidFill>
+                  <a:schemeClr val="accent2">
+                    <a:lumMod val="50000"/>
+                  </a:schemeClr>
+                </a:solidFill>
+                <a:latin typeface="Arial" panose="020B0604020202020204" pitchFamily="34" charset="0"/>
+                <a:ea typeface="Roboto" panose="02000000000000000000" pitchFamily="2" charset="0"/>
+                <a:cs typeface="Arial" panose="020B0604020202020204" pitchFamily="34" charset="0"/>
+              </a:rPr>
+              <a:t>Blockchain có những đặc điểm giải quyết được vấn đề trên</a:t>
+            </a:r>
+            <a:endParaRPr lang="en-US" sz="2400" b="1" dirty="0" smtClean="0">
+              <a:solidFill>
+                <a:schemeClr val="accent2">
+                  <a:lumMod val="50000"/>
+                </a:schemeClr>
+              </a:solidFill>
+              <a:latin typeface="Arial" panose="020B0604020202020204" pitchFamily="34" charset="0"/>
+              <a:ea typeface="Roboto" panose="02000000000000000000" pitchFamily="2" charset="0"/>
+              <a:cs typeface="Arial" panose="020B0604020202020204" pitchFamily="34" charset="0"/>
+            </a:endParaRPr>
+          </a:p>
+        </p:txBody>
+      </p:sp>
+      <p:sp>
+        <p:nvSpPr>
+          <p:cNvPr id="10" name="Text Box 3"/>
+          <p:cNvSpPr txBox="1"/>
+          <p:nvPr/>
+        </p:nvSpPr>
+        <p:spPr>
+          <a:xfrm>
+            <a:off x="1235710" y="4300220"/>
+            <a:ext cx="10074910" cy="1706880"/>
+          </a:xfrm>
+          <a:prstGeom prst="rect">
+            <a:avLst/>
+          </a:prstGeom>
+          <a:noFill/>
+        </p:spPr>
+        <p:txBody>
+          <a:bodyPr wrap="square" rtlCol="0">
+            <a:spAutoFit/>
+          </a:bodyPr>
+          <a:lstStyle/>
+          <a:p>
+            <a:pPr algn="l">
+              <a:lnSpc>
+                <a:spcPct val="150000"/>
+              </a:lnSpc>
+            </a:pPr>
+            <a:r>
+              <a:rPr lang="en-US" sz="1400" dirty="0" smtClean="0">
+                <a:latin typeface="Arial" panose="020B0604020202020204" pitchFamily="34" charset="0"/>
+                <a:cs typeface="Arial" panose="020B0604020202020204" pitchFamily="34" charset="0"/>
+                <a:sym typeface="+mn-ea"/>
+              </a:rPr>
+              <a:t>Trong Blockchain dữ liệu được lưu trữ dưới dạng transaction và block nên việc biết được chi tiết thông tin gửi đi rất đơn giản.</a:t>
+            </a:r>
+            <a:endParaRPr lang="en-US" sz="1400" dirty="0" smtClean="0">
+              <a:latin typeface="Arial" panose="020B0604020202020204" pitchFamily="34" charset="0"/>
+              <a:cs typeface="Arial" panose="020B0604020202020204" pitchFamily="34" charset="0"/>
+              <a:sym typeface="+mn-ea"/>
+            </a:endParaRPr>
+          </a:p>
+          <a:p>
+            <a:pPr algn="l">
+              <a:lnSpc>
+                <a:spcPct val="150000"/>
+              </a:lnSpc>
+            </a:pPr>
+            <a:r>
+              <a:rPr lang="en-US" sz="1400" dirty="0" smtClean="0">
+                <a:latin typeface="Arial" panose="020B0604020202020204" pitchFamily="34" charset="0"/>
+                <a:cs typeface="Arial" panose="020B0604020202020204" pitchFamily="34" charset="0"/>
+                <a:sym typeface="+mn-ea"/>
+              </a:rPr>
+              <a:t>Blockchain có tính chất của mạng ngang hàng giúp lưu trữ và cập nhật ngay lập tức khi có thay đổi hợp lệ.</a:t>
+            </a:r>
+            <a:endParaRPr lang="en-US" sz="1400" dirty="0" smtClean="0">
+              <a:latin typeface="Arial" panose="020B0604020202020204" pitchFamily="34" charset="0"/>
+              <a:cs typeface="Arial" panose="020B0604020202020204" pitchFamily="34" charset="0"/>
+              <a:sym typeface="+mn-ea"/>
+            </a:endParaRPr>
+          </a:p>
+          <a:p>
+            <a:pPr algn="l">
+              <a:lnSpc>
+                <a:spcPct val="150000"/>
+              </a:lnSpc>
+            </a:pPr>
+            <a:r>
+              <a:rPr lang="en-US" sz="1400" dirty="0" smtClean="0">
+                <a:latin typeface="Arial" panose="020B0604020202020204" pitchFamily="34" charset="0"/>
+                <a:cs typeface="Arial" panose="020B0604020202020204" pitchFamily="34" charset="0"/>
+                <a:sym typeface="+mn-ea"/>
+              </a:rPr>
+              <a:t>Blockchain gần như ít cần sự can thiệp của con người, không cần phí trung gian, hạn chế các thủ tục nhưng vẫn đảm bảo hoạt động an toàn và ổn định.</a:t>
+            </a:r>
+            <a:endParaRPr lang="en-US" sz="1400" dirty="0" smtClean="0">
+              <a:latin typeface="Arial" panose="020B0604020202020204" pitchFamily="34" charset="0"/>
+              <a:cs typeface="Arial" panose="020B0604020202020204" pitchFamily="34" charset="0"/>
+              <a:sym typeface="+mn-ea"/>
+            </a:endParaRPr>
+          </a:p>
+          <a:p>
+            <a:pPr algn="l">
+              <a:lnSpc>
+                <a:spcPct val="150000"/>
+              </a:lnSpc>
+            </a:pPr>
+            <a:r>
+              <a:rPr lang="en-US" sz="1400" dirty="0" smtClean="0">
+                <a:latin typeface="Arial" panose="020B0604020202020204" pitchFamily="34" charset="0"/>
+                <a:cs typeface="Arial" panose="020B0604020202020204" pitchFamily="34" charset="0"/>
+                <a:sym typeface="+mn-ea"/>
+              </a:rPr>
+              <a:t>Blockchain cho người dùng quan sát các giao dịch xảy ra mà không cần nắm giữ quyền trong blockchain.</a:t>
+            </a:r>
+            <a:endParaRPr lang="en-US" sz="1400" dirty="0" smtClean="0">
+              <a:latin typeface="Arial" panose="020B0604020202020204" pitchFamily="34" charset="0"/>
+              <a:cs typeface="Arial" panose="020B0604020202020204" pitchFamily="34" charset="0"/>
+              <a:sym typeface="+mn-ea"/>
             </a:endParaRPr>
           </a:p>
         </p:txBody>
